--- a/Presentation.pptx
+++ b/Presentation.pptx
@@ -4487,7 +4487,7 @@
           </a:bodyPr>
           <a:p>
             <a:pPr algn="r"/>
-            <a:fld id="{A8E37D13-270F-4EF8-AD0B-915181674AE1}" type="slidenum">
+            <a:fld id="{7D042C39-26D5-4CE2-921D-D006592F52BD}" type="slidenum">
               <a:rPr b="0" lang="en-US" sz="1400" spc="-1" strike="noStrike">
                 <a:latin typeface="Arial"/>
               </a:rPr>
@@ -4859,7 +4859,7 @@
           </a:bodyPr>
           <a:p>
             <a:pPr algn="r"/>
-            <a:fld id="{86166FC7-C7DD-481B-98EE-A517461F4082}" type="slidenum">
+            <a:fld id="{E3A03CA5-125A-4574-8C30-2DCB442C3625}" type="slidenum">
               <a:rPr b="0" lang="en-US" sz="1400" spc="-1" strike="noStrike">
                 <a:latin typeface="Arial"/>
               </a:rPr>
@@ -5245,7 +5245,7 @@
           </a:bodyPr>
           <a:p>
             <a:pPr algn="r"/>
-            <a:fld id="{F9A238B8-F438-4512-891B-0305DF2BBF2F}" type="slidenum">
+            <a:fld id="{01F18244-EBC1-40C6-9037-97815D7C2F51}" type="slidenum">
               <a:rPr b="0" lang="en-US" sz="1400" spc="-1" strike="noStrike">
                 <a:latin typeface="Arial"/>
               </a:rPr>
@@ -5334,7 +5334,7 @@
                 </a:solidFill>
                 <a:latin typeface="Arial"/>
               </a:rPr>
-              <a:t>BB22:A New QKD</a:t>
+              <a:t>BB22:The Most Advanced QKD</a:t>
             </a:r>
             <a:endParaRPr b="0" lang="en-US" sz="4400" spc="-1" strike="noStrike">
               <a:solidFill>
@@ -6155,7 +6155,7 @@
               <a:rPr b="0" lang="en-US" sz="3200" spc="-1" strike="noStrike">
                 <a:latin typeface="Arial"/>
               </a:rPr>
-              <a:t>If he measures “0”s vast majority of the time, he is receiving the state of |1⟩</a:t>
+              <a:t>If he measures “0”s vast majority of the time, he is receiving the state of |0⟩</a:t>
             </a:r>
             <a:endParaRPr b="0" lang="en-US" sz="3200" spc="-1" strike="noStrike">
               <a:latin typeface="Arial"/>
@@ -6298,7 +6298,13 @@
               <a:rPr b="0" lang="en-US" sz="3200" spc="-1" strike="noStrike">
                 <a:latin typeface="Arial"/>
               </a:rPr>
-              <a:t>If he measures “0”s vast majority of the time, he is receiving |+⟩</a:t>
+              <a:t>If he measures “0”s vast majority of the time, he </a:t>
+            </a:r>
+            <a:r>
+              <a:rPr b="0" lang="en-US" sz="3200" spc="-1" strike="noStrike">
+                <a:latin typeface="Arial"/>
+              </a:rPr>
+              <a:t>is receiving |+⟩</a:t>
             </a:r>
             <a:endParaRPr b="0" lang="en-US" sz="3200" spc="-1" strike="noStrike">
               <a:latin typeface="Arial"/>
@@ -6320,7 +6326,13 @@
               <a:rPr b="0" lang="en-US" sz="3200" spc="-1" strike="noStrike">
                 <a:latin typeface="Arial"/>
               </a:rPr>
-              <a:t>If he measures “0”s vast majority of the time, he is receiving |-⟩</a:t>
+              <a:t>If he measures “1”s vast majority of the time, he </a:t>
+            </a:r>
+            <a:r>
+              <a:rPr b="0" lang="en-US" sz="3200" spc="-1" strike="noStrike">
+                <a:latin typeface="Arial"/>
+              </a:rPr>
+              <a:t>is receiving |-⟩</a:t>
             </a:r>
             <a:endParaRPr b="0" lang="en-US" sz="3200" spc="-1" strike="noStrike">
               <a:latin typeface="Arial"/>
@@ -6342,7 +6354,19 @@
               <a:rPr b="0" lang="en-US" sz="3200" spc="-1" strike="noStrike">
                 <a:latin typeface="Arial"/>
               </a:rPr>
-              <a:t>If he measures “0”s and “1”s 50:50 distributed, he is receiving the state of |0⟩ or |1⟩, depending on phase which cannot be measured directly</a:t>
+              <a:t>If he measures “0”s and “1”s 50:50 distributed, </a:t>
+            </a:r>
+            <a:r>
+              <a:rPr b="0" lang="en-US" sz="3200" spc="-1" strike="noStrike">
+                <a:latin typeface="Arial"/>
+              </a:rPr>
+              <a:t>he is receiving the state of |0⟩ or |1⟩, depending </a:t>
+            </a:r>
+            <a:r>
+              <a:rPr b="0" lang="en-US" sz="3200" spc="-1" strike="noStrike">
+                <a:latin typeface="Arial"/>
+              </a:rPr>
+              <a:t>on phase which cannot be measured directly</a:t>
             </a:r>
             <a:endParaRPr b="0" lang="en-US" sz="3200" spc="-1" strike="noStrike">
               <a:latin typeface="Arial"/>
@@ -7108,7 +7132,13 @@
               <a:rPr b="0" lang="en-US" sz="3200" spc="-1" strike="noStrike">
                 <a:latin typeface="Arial"/>
               </a:rPr>
-              <a:t>Presence of eavesdropping can be detected apparently</a:t>
+              <a:t>Presence of eavesdropping can be detected </a:t>
+            </a:r>
+            <a:r>
+              <a:rPr b="0" lang="en-US" sz="3200" spc="-1" strike="noStrike">
+                <a:latin typeface="Arial"/>
+              </a:rPr>
+              <a:t>apparently</a:t>
             </a:r>
             <a:endParaRPr b="0" lang="en-US" sz="3200" spc="-1" strike="noStrike">
               <a:latin typeface="Arial"/>
